--- a/Frameworks.pptx
+++ b/Frameworks.pptx
@@ -291,7 +291,7 @@
           <a:lstStyle/>
           <a:p>
             <a:fld id="{7EFF8E9B-2B40-C04B-8719-0964805040B8}" type="datetimeFigureOut">
-              <a:t>2020/3/12</a:t>
+              <a:t>2020/3/30</a:t>
             </a:fld>
             <a:endParaRPr kumimoji="1" lang="zh-CN" altLang="en-US"/>
           </a:p>
@@ -487,7 +487,7 @@
           <a:lstStyle/>
           <a:p>
             <a:fld id="{7EFF8E9B-2B40-C04B-8719-0964805040B8}" type="datetimeFigureOut">
-              <a:t>2020/3/12</a:t>
+              <a:t>2020/3/30</a:t>
             </a:fld>
             <a:endParaRPr kumimoji="1" lang="zh-CN" altLang="en-US"/>
           </a:p>
@@ -693,7 +693,7 @@
           <a:lstStyle/>
           <a:p>
             <a:fld id="{7EFF8E9B-2B40-C04B-8719-0964805040B8}" type="datetimeFigureOut">
-              <a:t>2020/3/12</a:t>
+              <a:t>2020/3/30</a:t>
             </a:fld>
             <a:endParaRPr kumimoji="1" lang="zh-CN" altLang="en-US"/>
           </a:p>
@@ -889,7 +889,7 @@
           <a:lstStyle/>
           <a:p>
             <a:fld id="{7EFF8E9B-2B40-C04B-8719-0964805040B8}" type="datetimeFigureOut">
-              <a:t>2020/3/12</a:t>
+              <a:t>2020/3/30</a:t>
             </a:fld>
             <a:endParaRPr kumimoji="1" lang="zh-CN" altLang="en-US"/>
           </a:p>
@@ -1162,7 +1162,7 @@
           <a:lstStyle/>
           <a:p>
             <a:fld id="{7EFF8E9B-2B40-C04B-8719-0964805040B8}" type="datetimeFigureOut">
-              <a:t>2020/3/12</a:t>
+              <a:t>2020/3/30</a:t>
             </a:fld>
             <a:endParaRPr kumimoji="1" lang="zh-CN" altLang="en-US"/>
           </a:p>
@@ -1425,7 +1425,7 @@
           <a:lstStyle/>
           <a:p>
             <a:fld id="{7EFF8E9B-2B40-C04B-8719-0964805040B8}" type="datetimeFigureOut">
-              <a:t>2020/3/12</a:t>
+              <a:t>2020/3/30</a:t>
             </a:fld>
             <a:endParaRPr kumimoji="1" lang="zh-CN" altLang="en-US"/>
           </a:p>
@@ -1835,7 +1835,7 @@
           <a:lstStyle/>
           <a:p>
             <a:fld id="{7EFF8E9B-2B40-C04B-8719-0964805040B8}" type="datetimeFigureOut">
-              <a:t>2020/3/12</a:t>
+              <a:t>2020/3/30</a:t>
             </a:fld>
             <a:endParaRPr kumimoji="1" lang="zh-CN" altLang="en-US"/>
           </a:p>
@@ -1974,7 +1974,7 @@
           <a:lstStyle/>
           <a:p>
             <a:fld id="{7EFF8E9B-2B40-C04B-8719-0964805040B8}" type="datetimeFigureOut">
-              <a:t>2020/3/12</a:t>
+              <a:t>2020/3/30</a:t>
             </a:fld>
             <a:endParaRPr kumimoji="1" lang="zh-CN" altLang="en-US"/>
           </a:p>
@@ -2085,7 +2085,7 @@
           <a:lstStyle/>
           <a:p>
             <a:fld id="{7EFF8E9B-2B40-C04B-8719-0964805040B8}" type="datetimeFigureOut">
-              <a:t>2020/3/12</a:t>
+              <a:t>2020/3/30</a:t>
             </a:fld>
             <a:endParaRPr kumimoji="1" lang="zh-CN" altLang="en-US"/>
           </a:p>
@@ -2394,7 +2394,7 @@
           <a:lstStyle/>
           <a:p>
             <a:fld id="{7EFF8E9B-2B40-C04B-8719-0964805040B8}" type="datetimeFigureOut">
-              <a:t>2020/3/12</a:t>
+              <a:t>2020/3/30</a:t>
             </a:fld>
             <a:endParaRPr kumimoji="1" lang="zh-CN" altLang="en-US"/>
           </a:p>
@@ -2680,7 +2680,7 @@
           <a:lstStyle/>
           <a:p>
             <a:fld id="{7EFF8E9B-2B40-C04B-8719-0964805040B8}" type="datetimeFigureOut">
-              <a:t>2020/3/12</a:t>
+              <a:t>2020/3/30</a:t>
             </a:fld>
             <a:endParaRPr kumimoji="1" lang="zh-CN" altLang="en-US"/>
           </a:p>
@@ -2919,7 +2919,7 @@
           </a:lstStyle>
           <a:p>
             <a:fld id="{7EFF8E9B-2B40-C04B-8719-0964805040B8}" type="datetimeFigureOut">
-              <a:t>2020/3/12</a:t>
+              <a:t>2020/3/30</a:t>
             </a:fld>
             <a:endParaRPr kumimoji="1" lang="zh-CN" altLang="en-US"/>
           </a:p>
